--- a/G2/软件工程系列课程教学辅助网站/非受控文档/温中磊/PRD2017-G2-界面设计.pptx
+++ b/G2/软件工程系列课程教学辅助网站/非受控文档/温中磊/PRD2017-G2-界面设计.pptx
@@ -8,37 +8,37 @@
     <p:notesMasterId r:id="rId21"/>
   </p:notesMasterIdLst>
   <p:sldIdLst>
-    <p:sldId id="257" r:id="rId3"/>
-    <p:sldId id="258" r:id="rId4"/>
-    <p:sldId id="259" r:id="rId5"/>
-    <p:sldId id="265" r:id="rId6"/>
-    <p:sldId id="301" r:id="rId7"/>
-    <p:sldId id="302" r:id="rId8"/>
-    <p:sldId id="303" r:id="rId9"/>
-    <p:sldId id="327" r:id="rId10"/>
-    <p:sldId id="260" r:id="rId11"/>
-    <p:sldId id="266" r:id="rId12"/>
-    <p:sldId id="284" r:id="rId13"/>
-    <p:sldId id="328" r:id="rId14"/>
-    <p:sldId id="261" r:id="rId15"/>
-    <p:sldId id="267" r:id="rId16"/>
-    <p:sldId id="274" r:id="rId17"/>
-    <p:sldId id="304" r:id="rId18"/>
-    <p:sldId id="305" r:id="rId19"/>
-    <p:sldId id="306" r:id="rId20"/>
-    <p:sldId id="307" r:id="rId22"/>
-    <p:sldId id="308" r:id="rId23"/>
-    <p:sldId id="309" r:id="rId24"/>
-    <p:sldId id="262" r:id="rId25"/>
-    <p:sldId id="275" r:id="rId26"/>
-    <p:sldId id="310" r:id="rId27"/>
-    <p:sldId id="311" r:id="rId28"/>
-    <p:sldId id="312" r:id="rId29"/>
-    <p:sldId id="264" r:id="rId30"/>
-    <p:sldId id="270" r:id="rId31"/>
-    <p:sldId id="324" r:id="rId32"/>
-    <p:sldId id="325" r:id="rId33"/>
-    <p:sldId id="280" r:id="rId34"/>
+    <p:sldId id="351" r:id="rId3"/>
+    <p:sldId id="352" r:id="rId4"/>
+    <p:sldId id="353" r:id="rId5"/>
+    <p:sldId id="354" r:id="rId6"/>
+    <p:sldId id="355" r:id="rId7"/>
+    <p:sldId id="356" r:id="rId8"/>
+    <p:sldId id="357" r:id="rId9"/>
+    <p:sldId id="358" r:id="rId10"/>
+    <p:sldId id="359" r:id="rId11"/>
+    <p:sldId id="360" r:id="rId12"/>
+    <p:sldId id="361" r:id="rId13"/>
+    <p:sldId id="362" r:id="rId14"/>
+    <p:sldId id="363" r:id="rId15"/>
+    <p:sldId id="364" r:id="rId16"/>
+    <p:sldId id="365" r:id="rId17"/>
+    <p:sldId id="366" r:id="rId18"/>
+    <p:sldId id="367" r:id="rId19"/>
+    <p:sldId id="368" r:id="rId20"/>
+    <p:sldId id="369" r:id="rId22"/>
+    <p:sldId id="370" r:id="rId23"/>
+    <p:sldId id="371" r:id="rId24"/>
+    <p:sldId id="372" r:id="rId25"/>
+    <p:sldId id="373" r:id="rId26"/>
+    <p:sldId id="374" r:id="rId27"/>
+    <p:sldId id="375" r:id="rId28"/>
+    <p:sldId id="376" r:id="rId29"/>
+    <p:sldId id="377" r:id="rId30"/>
+    <p:sldId id="378" r:id="rId31"/>
+    <p:sldId id="379" r:id="rId32"/>
+    <p:sldId id="380" r:id="rId33"/>
+    <p:sldId id="381" r:id="rId34"/>
   </p:sldIdLst>
   <p:sldSz cx="12192000" cy="6858000"/>
   <p:notesSz cx="6858000" cy="9144000"/>
@@ -8483,9 +8483,13 @@
             <a:pPr algn="l"/>
             <a:r>
               <a:rPr lang="zh-CN" altLang="en-US"/>
-              <a:t>Axure PR</a:t>
-            </a:r>
-            <a:endParaRPr lang="zh-CN" altLang="en-US"/>
+              <a:t>Axure </a:t>
+            </a:r>
+            <a:r>
+              <a:rPr lang="en-US" altLang="zh-CN"/>
+              <a:t>RP</a:t>
+            </a:r>
+            <a:endParaRPr lang="en-US" altLang="zh-CN"/>
           </a:p>
         </p:txBody>
       </p:sp>
@@ -9048,9 +9052,13 @@
           <a:p>
             <a:r>
               <a:rPr lang="zh-CN" altLang="en-US" sz="2800"/>
-              <a:t>Axure PR</a:t>
-            </a:r>
-            <a:endParaRPr lang="zh-CN" altLang="en-US" sz="2800"/>
+              <a:t>Axure </a:t>
+            </a:r>
+            <a:r>
+              <a:rPr lang="en-US" altLang="zh-CN" sz="2800"/>
+              <a:t>RP</a:t>
+            </a:r>
+            <a:endParaRPr lang="en-US" altLang="zh-CN" sz="2800"/>
           </a:p>
         </p:txBody>
       </p:sp>
@@ -17139,7 +17147,6 @@
               </a:tblPr>
               <a:tblGrid>
                 <a:gridCol w="468604"/>
-                <a:gridCol w="1343608"/>
                 <a:gridCol w="1866122"/>
                 <a:gridCol w="6447454"/>
               </a:tblGrid>
@@ -17166,82 +17173,6 @@
                         </a:solidFill>
                         <a:latin typeface="微软雅黑" panose="020B0503020204020204" pitchFamily="34" charset="-122"/>
                         <a:ea typeface="微软雅黑" panose="020B0503020204020204" pitchFamily="34" charset="-122"/>
-                      </a:endParaRPr>
-                    </a:p>
-                  </a:txBody>
-                  <a:tcPr anchor="ctr">
-                    <a:lnL w="28575" cap="flat" cmpd="sng" algn="ctr">
-                      <a:solidFill>
-                        <a:schemeClr val="bg1"/>
-                      </a:solidFill>
-                      <a:prstDash val="solid"/>
-                      <a:round/>
-                      <a:headEnd type="none" w="med" len="med"/>
-                      <a:tailEnd type="none" w="med" len="med"/>
-                    </a:lnL>
-                    <a:lnR w="28575" cap="flat" cmpd="sng" algn="ctr">
-                      <a:solidFill>
-                        <a:schemeClr val="bg1"/>
-                      </a:solidFill>
-                      <a:prstDash val="solid"/>
-                      <a:round/>
-                      <a:headEnd type="none" w="med" len="med"/>
-                      <a:tailEnd type="none" w="med" len="med"/>
-                    </a:lnR>
-                    <a:lnT w="28575" cap="flat" cmpd="sng" algn="ctr">
-                      <a:solidFill>
-                        <a:schemeClr val="bg1"/>
-                      </a:solidFill>
-                      <a:prstDash val="solid"/>
-                      <a:round/>
-                      <a:headEnd type="none" w="med" len="med"/>
-                      <a:tailEnd type="none" w="med" len="med"/>
-                    </a:lnT>
-                    <a:lnB w="28575" cap="flat" cmpd="sng" algn="ctr">
-                      <a:solidFill>
-                        <a:schemeClr val="bg1"/>
-                      </a:solidFill>
-                      <a:prstDash val="solid"/>
-                      <a:round/>
-                      <a:headEnd type="none" w="med" len="med"/>
-                      <a:tailEnd type="none" w="med" len="med"/>
-                    </a:lnB>
-                    <a:solidFill>
-                      <a:schemeClr val="accent2">
-                        <a:lumMod val="40000"/>
-                        <a:lumOff val="60000"/>
-                      </a:schemeClr>
-                    </a:solidFill>
-                  </a:tcPr>
-                </a:tc>
-                <a:tc>
-                  <a:txBody>
-                    <a:bodyPr/>
-                    <a:lstStyle/>
-                    <a:p>
-                      <a:pPr algn="ctr">
-                        <a:lnSpc>
-                          <a:spcPct val="120000"/>
-                        </a:lnSpc>
-                      </a:pPr>
-                      <a:r>
-                        <a:rPr lang="zh-CN" altLang="en-US" sz="1400" b="0" i="0" kern="1200" dirty="0">
-                          <a:solidFill>
-                            <a:schemeClr val="tx1"/>
-                          </a:solidFill>
-                          <a:latin typeface="微软雅黑" panose="020B0503020204020204" pitchFamily="34" charset="-122"/>
-                          <a:ea typeface="微软雅黑" panose="020B0503020204020204" pitchFamily="34" charset="-122"/>
-                          <a:cs typeface="+mn-cs"/>
-                        </a:rPr>
-                        <a:t>文档</a:t>
-                      </a:r>
-                      <a:endParaRPr lang="zh-CN" altLang="en-US" sz="1400" b="0" i="0" kern="1200" dirty="0">
-                        <a:solidFill>
-                          <a:schemeClr val="tx1"/>
-                        </a:solidFill>
-                        <a:latin typeface="微软雅黑" panose="020B0503020204020204" pitchFamily="34" charset="-122"/>
-                        <a:ea typeface="微软雅黑" panose="020B0503020204020204" pitchFamily="34" charset="-122"/>
-                        <a:cs typeface="+mn-cs"/>
                       </a:endParaRPr>
                     </a:p>
                   </a:txBody>
@@ -17530,73 +17461,6 @@
                           <a:latin typeface="微软雅黑" panose="020B0503020204020204" pitchFamily="34" charset="-122"/>
                           <a:ea typeface="微软雅黑" panose="020B0503020204020204" pitchFamily="34" charset="-122"/>
                         </a:rPr>
-                        <a:t>网络解释</a:t>
-                      </a:r>
-                      <a:endParaRPr lang="zh-CN" altLang="en-US" sz="1400" b="0" i="0" dirty="0" smtClean="0">
-                        <a:solidFill>
-                          <a:schemeClr val="tx1"/>
-                        </a:solidFill>
-                        <a:latin typeface="微软雅黑" panose="020B0503020204020204" pitchFamily="34" charset="-122"/>
-                        <a:ea typeface="微软雅黑" panose="020B0503020204020204" pitchFamily="34" charset="-122"/>
-                      </a:endParaRPr>
-                    </a:p>
-                  </a:txBody>
-                  <a:tcPr anchor="ctr">
-                    <a:lnL w="28575" cap="flat" cmpd="sng" algn="ctr">
-                      <a:solidFill>
-                        <a:schemeClr val="bg1"/>
-                      </a:solidFill>
-                      <a:prstDash val="solid"/>
-                      <a:round/>
-                      <a:headEnd type="none" w="med" len="med"/>
-                      <a:tailEnd type="none" w="med" len="med"/>
-                    </a:lnL>
-                    <a:lnR w="28575" cap="flat" cmpd="sng" algn="ctr">
-                      <a:solidFill>
-                        <a:schemeClr val="bg1"/>
-                      </a:solidFill>
-                      <a:prstDash val="solid"/>
-                      <a:round/>
-                      <a:headEnd type="none" w="med" len="med"/>
-                      <a:tailEnd type="none" w="med" len="med"/>
-                    </a:lnR>
-                    <a:lnT w="28575" cap="flat" cmpd="sng" algn="ctr">
-                      <a:solidFill>
-                        <a:schemeClr val="bg1"/>
-                      </a:solidFill>
-                      <a:prstDash val="solid"/>
-                      <a:round/>
-                      <a:headEnd type="none" w="med" len="med"/>
-                      <a:tailEnd type="none" w="med" len="med"/>
-                    </a:lnT>
-                    <a:lnB w="28575" cap="flat" cmpd="sng" algn="ctr">
-                      <a:solidFill>
-                        <a:schemeClr val="bg1"/>
-                      </a:solidFill>
-                      <a:prstDash val="solid"/>
-                      <a:round/>
-                      <a:headEnd type="none" w="med" len="med"/>
-                      <a:tailEnd type="none" w="med" len="med"/>
-                    </a:lnB>
-                    <a:solidFill>
-                      <a:schemeClr val="accent2"/>
-                    </a:solidFill>
-                  </a:tcPr>
-                </a:tc>
-                <a:tc>
-                  <a:txBody>
-                    <a:bodyPr/>
-                    <a:lstStyle/>
-                    <a:p>
-                      <a:pPr algn="ctr"/>
-                      <a:r>
-                        <a:rPr lang="zh-CN" altLang="en-US" sz="1400" b="0" i="0" dirty="0" smtClean="0">
-                          <a:solidFill>
-                            <a:schemeClr val="tx1"/>
-                          </a:solidFill>
-                          <a:latin typeface="微软雅黑" panose="020B0503020204020204" pitchFamily="34" charset="-122"/>
-                          <a:ea typeface="微软雅黑" panose="020B0503020204020204" pitchFamily="34" charset="-122"/>
-                        </a:rPr>
                         <a:t>百度百科</a:t>
                       </a:r>
                       <a:endParaRPr lang="zh-CN" altLang="en-US" sz="1400" b="0" i="0" dirty="0" smtClean="0">
@@ -17795,6 +17659,16 @@
                     <a:p>
                       <a:pPr algn="ctr"/>
                       <a:r>
+                        <a:rPr lang="en-US" altLang="zh-CN" sz="1400" b="0" i="0" dirty="0" smtClean="0">
+                          <a:solidFill>
+                            <a:schemeClr val="tx1"/>
+                          </a:solidFill>
+                          <a:latin typeface="微软雅黑" panose="020B0503020204020204" pitchFamily="34" charset="-122"/>
+                          <a:ea typeface="微软雅黑" panose="020B0503020204020204" pitchFamily="34" charset="-122"/>
+                        </a:rPr>
+                        <a:t>UI</a:t>
+                      </a:r>
+                      <a:r>
                         <a:rPr lang="zh-CN" altLang="en-US" sz="1400" b="0" i="0" dirty="0" smtClean="0">
                           <a:solidFill>
                             <a:schemeClr val="tx1"/>
@@ -17802,79 +17676,9 @@
                           <a:latin typeface="微软雅黑" panose="020B0503020204020204" pitchFamily="34" charset="-122"/>
                           <a:ea typeface="微软雅黑" panose="020B0503020204020204" pitchFamily="34" charset="-122"/>
                         </a:rPr>
-                        <a:t>学术期刊</a:t>
+                        <a:t>中国</a:t>
                       </a:r>
-                      <a:endParaRPr lang="zh-CN" altLang="en-US" sz="1400" b="0" i="0" dirty="0">
-                        <a:solidFill>
-                          <a:schemeClr val="tx1"/>
-                        </a:solidFill>
-                        <a:latin typeface="微软雅黑" panose="020B0503020204020204" pitchFamily="34" charset="-122"/>
-                        <a:ea typeface="微软雅黑" panose="020B0503020204020204" pitchFamily="34" charset="-122"/>
-                      </a:endParaRPr>
-                    </a:p>
-                  </a:txBody>
-                  <a:tcPr anchor="ctr">
-                    <a:lnL w="28575" cap="flat" cmpd="sng" algn="ctr">
-                      <a:solidFill>
-                        <a:schemeClr val="bg1"/>
-                      </a:solidFill>
-                      <a:prstDash val="solid"/>
-                      <a:round/>
-                      <a:headEnd type="none" w="med" len="med"/>
-                      <a:tailEnd type="none" w="med" len="med"/>
-                    </a:lnL>
-                    <a:lnR w="28575" cap="flat" cmpd="sng" algn="ctr">
-                      <a:solidFill>
-                        <a:schemeClr val="bg1"/>
-                      </a:solidFill>
-                      <a:prstDash val="solid"/>
-                      <a:round/>
-                      <a:headEnd type="none" w="med" len="med"/>
-                      <a:tailEnd type="none" w="med" len="med"/>
-                    </a:lnR>
-                    <a:lnT w="28575" cap="flat" cmpd="sng" algn="ctr">
-                      <a:solidFill>
-                        <a:schemeClr val="bg1"/>
-                      </a:solidFill>
-                      <a:prstDash val="solid"/>
-                      <a:round/>
-                      <a:headEnd type="none" w="med" len="med"/>
-                      <a:tailEnd type="none" w="med" len="med"/>
-                    </a:lnT>
-                    <a:lnB w="28575" cap="flat" cmpd="sng" algn="ctr">
-                      <a:solidFill>
-                        <a:schemeClr val="bg1"/>
-                      </a:solidFill>
-                      <a:prstDash val="solid"/>
-                      <a:round/>
-                      <a:headEnd type="none" w="med" len="med"/>
-                      <a:tailEnd type="none" w="med" len="med"/>
-                    </a:lnB>
-                    <a:solidFill>
-                      <a:schemeClr val="accent2">
-                        <a:lumMod val="60000"/>
-                        <a:lumOff val="40000"/>
-                      </a:schemeClr>
-                    </a:solidFill>
-                  </a:tcPr>
-                </a:tc>
-                <a:tc>
-                  <a:txBody>
-                    <a:bodyPr/>
-                    <a:lstStyle/>
-                    <a:p>
-                      <a:pPr algn="ctr"/>
-                      <a:r>
-                        <a:rPr lang="en-US" altLang="zh-CN" sz="1400" b="0" i="0" dirty="0" smtClean="0">
-                          <a:solidFill>
-                            <a:schemeClr val="tx1"/>
-                          </a:solidFill>
-                          <a:latin typeface="微软雅黑" panose="020B0503020204020204" pitchFamily="34" charset="-122"/>
-                          <a:ea typeface="微软雅黑" panose="020B0503020204020204" pitchFamily="34" charset="-122"/>
-                        </a:rPr>
-                        <a:t>healthyyang2</a:t>
-                      </a:r>
-                      <a:endParaRPr lang="zh-CN" altLang="en-US" sz="1400" b="0" i="0" dirty="0">
+                      <a:endParaRPr lang="zh-CN" altLang="en-US" sz="1400" b="0" i="0" dirty="0" smtClean="0">
                         <a:solidFill>
                           <a:schemeClr val="tx1"/>
                         </a:solidFill>
@@ -17934,46 +17738,16 @@
                     <a:lstStyle/>
                     <a:p>
                       <a:r>
-                        <a:rPr lang="zh-CN" altLang="en-US" sz="1400" b="0" i="0" dirty="0" smtClean="0">
+                        <a:rPr sz="1400" b="0" i="0" dirty="0" smtClean="0">
                           <a:solidFill>
                             <a:schemeClr val="tx1"/>
                           </a:solidFill>
                           <a:latin typeface="微软雅黑" panose="020B0503020204020204" pitchFamily="34" charset="-122"/>
                           <a:ea typeface="微软雅黑" panose="020B0503020204020204" pitchFamily="34" charset="-122"/>
                         </a:rPr>
-                        <a:t>篇名</a:t>
+                        <a:t>http://www.ui.cn/detail/198444.html</a:t>
                       </a:r>
-                      <a:r>
-                        <a:rPr lang="en-US" altLang="zh-CN" sz="1400" b="0" i="0" dirty="0" smtClean="0">
-                          <a:solidFill>
-                            <a:schemeClr val="tx1"/>
-                          </a:solidFill>
-                          <a:latin typeface="微软雅黑" panose="020B0503020204020204" pitchFamily="34" charset="-122"/>
-                          <a:ea typeface="微软雅黑" panose="020B0503020204020204" pitchFamily="34" charset="-122"/>
-                        </a:rPr>
-                        <a:t>[J].</a:t>
-                      </a:r>
-                      <a:r>
-                        <a:rPr lang="zh-CN" altLang="en-US" sz="1400" b="0" i="0" dirty="0" smtClean="0">
-                          <a:solidFill>
-                            <a:schemeClr val="tx1"/>
-                          </a:solidFill>
-                          <a:latin typeface="微软雅黑" panose="020B0503020204020204" pitchFamily="34" charset="-122"/>
-                          <a:ea typeface="微软雅黑" panose="020B0503020204020204" pitchFamily="34" charset="-122"/>
-                        </a:rPr>
-                        <a:t>刊名，出版年份，卷号（期号）：起止页码</a:t>
-                      </a:r>
-                      <a:r>
-                        <a:rPr lang="en-US" altLang="zh-CN" sz="1400" b="0" i="0" dirty="0" smtClean="0">
-                          <a:solidFill>
-                            <a:schemeClr val="tx1"/>
-                          </a:solidFill>
-                          <a:latin typeface="微软雅黑" panose="020B0503020204020204" pitchFamily="34" charset="-122"/>
-                          <a:ea typeface="微软雅黑" panose="020B0503020204020204" pitchFamily="34" charset="-122"/>
-                        </a:rPr>
-                        <a:t>.</a:t>
-                      </a:r>
-                      <a:endParaRPr lang="zh-CN" altLang="en-US" sz="1400" b="0" i="0" dirty="0">
+                      <a:endParaRPr sz="1400" b="0" i="0" dirty="0" smtClean="0">
                         <a:solidFill>
                           <a:schemeClr val="tx1"/>
                         </a:solidFill>
@@ -18101,89 +17875,16 @@
                     <a:bodyPr/>
                     <a:lstStyle/>
                     <a:p>
-                      <a:pPr algn="ctr">
-                        <a:lnSpc>
-                          <a:spcPct val="120000"/>
-                        </a:lnSpc>
-                      </a:pPr>
-                      <a:r>
-                        <a:rPr lang="zh-CN" altLang="en-US" sz="1400" b="0" i="0" kern="1200" dirty="0" smtClean="0">
-                          <a:solidFill>
-                            <a:schemeClr val="tx1"/>
-                          </a:solidFill>
-                          <a:latin typeface="微软雅黑" panose="020B0503020204020204" pitchFamily="34" charset="-122"/>
-                          <a:ea typeface="微软雅黑" panose="020B0503020204020204" pitchFamily="34" charset="-122"/>
-                          <a:cs typeface="+mn-cs"/>
-                        </a:rPr>
-                        <a:t>译著</a:t>
-                      </a:r>
-                      <a:endParaRPr lang="zh-CN" altLang="en-US" sz="1400" b="0" i="0" kern="1200" dirty="0">
-                        <a:solidFill>
-                          <a:schemeClr val="tx1"/>
-                        </a:solidFill>
-                        <a:latin typeface="微软雅黑" panose="020B0503020204020204" pitchFamily="34" charset="-122"/>
-                        <a:ea typeface="微软雅黑" panose="020B0503020204020204" pitchFamily="34" charset="-122"/>
-                        <a:cs typeface="+mn-cs"/>
-                      </a:endParaRPr>
-                    </a:p>
-                  </a:txBody>
-                  <a:tcPr anchor="ctr">
-                    <a:lnL w="28575" cap="flat" cmpd="sng" algn="ctr">
-                      <a:solidFill>
-                        <a:schemeClr val="bg1"/>
-                      </a:solidFill>
-                      <a:prstDash val="solid"/>
-                      <a:round/>
-                      <a:headEnd type="none" w="med" len="med"/>
-                      <a:tailEnd type="none" w="med" len="med"/>
-                    </a:lnL>
-                    <a:lnR w="28575" cap="flat" cmpd="sng" algn="ctr">
-                      <a:solidFill>
-                        <a:schemeClr val="bg1"/>
-                      </a:solidFill>
-                      <a:prstDash val="solid"/>
-                      <a:round/>
-                      <a:headEnd type="none" w="med" len="med"/>
-                      <a:tailEnd type="none" w="med" len="med"/>
-                    </a:lnR>
-                    <a:lnT w="28575" cap="flat" cmpd="sng" algn="ctr">
-                      <a:solidFill>
-                        <a:schemeClr val="bg1"/>
-                      </a:solidFill>
-                      <a:prstDash val="solid"/>
-                      <a:round/>
-                      <a:headEnd type="none" w="med" len="med"/>
-                      <a:tailEnd type="none" w="med" len="med"/>
-                    </a:lnT>
-                    <a:lnB w="28575" cap="flat" cmpd="sng" algn="ctr">
-                      <a:solidFill>
-                        <a:schemeClr val="bg1"/>
-                      </a:solidFill>
-                      <a:prstDash val="solid"/>
-                      <a:round/>
-                      <a:headEnd type="none" w="med" len="med"/>
-                      <a:tailEnd type="none" w="med" len="med"/>
-                    </a:lnB>
-                    <a:solidFill>
-                      <a:schemeClr val="accent2"/>
-                    </a:solidFill>
-                  </a:tcPr>
-                </a:tc>
-                <a:tc>
-                  <a:txBody>
-                    <a:bodyPr/>
-                    <a:lstStyle/>
-                    <a:p>
                       <a:pPr algn="ctr"/>
                       <a:r>
-                        <a:rPr lang="en-US" altLang="zh-CN" sz="1400" b="0" i="0" dirty="0" smtClean="0">
+                        <a:rPr lang="zh-CN" altLang="en-US" sz="1400" b="0" i="0" dirty="0">
                           <a:solidFill>
                             <a:schemeClr val="tx1"/>
                           </a:solidFill>
                           <a:latin typeface="微软雅黑" panose="020B0503020204020204" pitchFamily="34" charset="-122"/>
                           <a:ea typeface="微软雅黑" panose="020B0503020204020204" pitchFamily="34" charset="-122"/>
                         </a:rPr>
-                        <a:t>healthyyang2</a:t>
+                        <a:t>站长之家</a:t>
                       </a:r>
                       <a:endParaRPr lang="zh-CN" altLang="en-US" sz="1400" b="0" i="0" dirty="0">
                         <a:solidFill>
@@ -18258,7 +17959,7 @@
                         <a:defRPr/>
                       </a:pPr>
                       <a:r>
-                        <a:rPr lang="zh-CN" altLang="en-US" sz="1400" b="0" i="0" kern="1200" dirty="0" smtClean="0">
+                        <a:rPr sz="1400" b="0" i="0" kern="1200" dirty="0" smtClean="0">
                           <a:solidFill>
                             <a:schemeClr val="tx1"/>
                           </a:solidFill>
@@ -18266,711 +17967,9 @@
                           <a:ea typeface="微软雅黑" panose="020B0503020204020204" pitchFamily="34" charset="-122"/>
                           <a:cs typeface="+mn-cs"/>
                         </a:rPr>
-                        <a:t>书名</a:t>
+                        <a:t>http://sc.chinaz.com/info/160214382976.htm</a:t>
                       </a:r>
-                      <a:r>
-                        <a:rPr lang="en-US" altLang="zh-CN" sz="1400" b="0" i="0" kern="1200" dirty="0" smtClean="0">
-                          <a:solidFill>
-                            <a:schemeClr val="tx1"/>
-                          </a:solidFill>
-                          <a:latin typeface="微软雅黑" panose="020B0503020204020204" pitchFamily="34" charset="-122"/>
-                          <a:ea typeface="微软雅黑" panose="020B0503020204020204" pitchFamily="34" charset="-122"/>
-                          <a:cs typeface="+mn-cs"/>
-                        </a:rPr>
-                        <a:t>[M].</a:t>
-                      </a:r>
-                      <a:r>
-                        <a:rPr lang="zh-CN" altLang="en-US" sz="1400" b="0" i="0" kern="1200" dirty="0" smtClean="0">
-                          <a:solidFill>
-                            <a:schemeClr val="tx1"/>
-                          </a:solidFill>
-                          <a:latin typeface="微软雅黑" panose="020B0503020204020204" pitchFamily="34" charset="-122"/>
-                          <a:ea typeface="微软雅黑" panose="020B0503020204020204" pitchFamily="34" charset="-122"/>
-                          <a:cs typeface="+mn-cs"/>
-                        </a:rPr>
-                        <a:t>译者，译</a:t>
-                      </a:r>
-                      <a:r>
-                        <a:rPr lang="en-US" altLang="zh-CN" sz="1400" b="0" i="0" kern="1200" dirty="0" smtClean="0">
-                          <a:solidFill>
-                            <a:schemeClr val="tx1"/>
-                          </a:solidFill>
-                          <a:latin typeface="微软雅黑" panose="020B0503020204020204" pitchFamily="34" charset="-122"/>
-                          <a:ea typeface="微软雅黑" panose="020B0503020204020204" pitchFamily="34" charset="-122"/>
-                          <a:cs typeface="+mn-cs"/>
-                        </a:rPr>
-                        <a:t>.</a:t>
-                      </a:r>
-                      <a:r>
-                        <a:rPr lang="zh-CN" altLang="en-US" sz="1400" b="0" i="0" kern="1200" dirty="0" smtClean="0">
-                          <a:solidFill>
-                            <a:schemeClr val="tx1"/>
-                          </a:solidFill>
-                          <a:latin typeface="微软雅黑" panose="020B0503020204020204" pitchFamily="34" charset="-122"/>
-                          <a:ea typeface="微软雅黑" panose="020B0503020204020204" pitchFamily="34" charset="-122"/>
-                          <a:cs typeface="+mn-cs"/>
-                        </a:rPr>
-                        <a:t>出版地：出版社，出版年份：起止页码</a:t>
-                      </a:r>
-                      <a:r>
-                        <a:rPr lang="en-US" altLang="zh-CN" sz="1400" b="0" i="0" kern="1200" dirty="0" smtClean="0">
-                          <a:solidFill>
-                            <a:schemeClr val="tx1"/>
-                          </a:solidFill>
-                          <a:latin typeface="微软雅黑" panose="020B0503020204020204" pitchFamily="34" charset="-122"/>
-                          <a:ea typeface="微软雅黑" panose="020B0503020204020204" pitchFamily="34" charset="-122"/>
-                          <a:cs typeface="+mn-cs"/>
-                        </a:rPr>
-                        <a:t>.</a:t>
-                      </a:r>
-                      <a:endParaRPr lang="en-US" altLang="zh-CN" sz="1400" b="0" i="0" kern="1200" dirty="0" smtClean="0">
-                        <a:solidFill>
-                          <a:schemeClr val="tx1"/>
-                        </a:solidFill>
-                        <a:latin typeface="微软雅黑" panose="020B0503020204020204" pitchFamily="34" charset="-122"/>
-                        <a:ea typeface="微软雅黑" panose="020B0503020204020204" pitchFamily="34" charset="-122"/>
-                        <a:cs typeface="+mn-cs"/>
-                      </a:endParaRPr>
-                    </a:p>
-                  </a:txBody>
-                  <a:tcPr anchor="ctr">
-                    <a:lnL w="28575" cap="flat" cmpd="sng" algn="ctr">
-                      <a:solidFill>
-                        <a:schemeClr val="bg1"/>
-                      </a:solidFill>
-                      <a:prstDash val="solid"/>
-                      <a:round/>
-                      <a:headEnd type="none" w="med" len="med"/>
-                      <a:tailEnd type="none" w="med" len="med"/>
-                    </a:lnL>
-                    <a:lnR w="28575" cap="flat" cmpd="sng" algn="ctr">
-                      <a:solidFill>
-                        <a:schemeClr val="bg1"/>
-                      </a:solidFill>
-                      <a:prstDash val="solid"/>
-                      <a:round/>
-                      <a:headEnd type="none" w="med" len="med"/>
-                      <a:tailEnd type="none" w="med" len="med"/>
-                    </a:lnR>
-                    <a:lnT w="28575" cap="flat" cmpd="sng" algn="ctr">
-                      <a:solidFill>
-                        <a:schemeClr val="bg1"/>
-                      </a:solidFill>
-                      <a:prstDash val="solid"/>
-                      <a:round/>
-                      <a:headEnd type="none" w="med" len="med"/>
-                      <a:tailEnd type="none" w="med" len="med"/>
-                    </a:lnT>
-                    <a:lnB w="28575" cap="flat" cmpd="sng" algn="ctr">
-                      <a:solidFill>
-                        <a:schemeClr val="bg1"/>
-                      </a:solidFill>
-                      <a:prstDash val="solid"/>
-                      <a:round/>
-                      <a:headEnd type="none" w="med" len="med"/>
-                      <a:tailEnd type="none" w="med" len="med"/>
-                    </a:lnB>
-                    <a:solidFill>
-                      <a:schemeClr val="accent2"/>
-                    </a:solidFill>
-                  </a:tcPr>
-                </a:tc>
-              </a:tr>
-              <a:tr h="557562">
-                <a:tc>
-                  <a:txBody>
-                    <a:bodyPr/>
-                    <a:lstStyle/>
-                    <a:p>
-                      <a:pPr algn="ctr"/>
-                      <a:r>
-                        <a:rPr lang="en-US" altLang="zh-CN" sz="1400" b="0" i="0" dirty="0" smtClean="0">
-                          <a:solidFill>
-                            <a:schemeClr val="tx1"/>
-                          </a:solidFill>
-                          <a:latin typeface="微软雅黑" panose="020B0503020204020204" pitchFamily="34" charset="-122"/>
-                          <a:ea typeface="微软雅黑" panose="020B0503020204020204" pitchFamily="34" charset="-122"/>
-                        </a:rPr>
-                        <a:t>5</a:t>
-                      </a:r>
-                      <a:endParaRPr lang="zh-CN" altLang="en-US" sz="1400" b="0" i="0" dirty="0">
-                        <a:solidFill>
-                          <a:schemeClr val="tx1"/>
-                        </a:solidFill>
-                        <a:latin typeface="微软雅黑" panose="020B0503020204020204" pitchFamily="34" charset="-122"/>
-                        <a:ea typeface="微软雅黑" panose="020B0503020204020204" pitchFamily="34" charset="-122"/>
-                      </a:endParaRPr>
-                    </a:p>
-                  </a:txBody>
-                  <a:tcPr anchor="ctr">
-                    <a:lnL w="28575" cap="flat" cmpd="sng" algn="ctr">
-                      <a:solidFill>
-                        <a:schemeClr val="bg1"/>
-                      </a:solidFill>
-                      <a:prstDash val="solid"/>
-                      <a:round/>
-                      <a:headEnd type="none" w="med" len="med"/>
-                      <a:tailEnd type="none" w="med" len="med"/>
-                    </a:lnL>
-                    <a:lnR w="28575" cap="flat" cmpd="sng" algn="ctr">
-                      <a:solidFill>
-                        <a:schemeClr val="bg1"/>
-                      </a:solidFill>
-                      <a:prstDash val="solid"/>
-                      <a:round/>
-                      <a:headEnd type="none" w="med" len="med"/>
-                      <a:tailEnd type="none" w="med" len="med"/>
-                    </a:lnR>
-                    <a:lnT w="28575" cap="flat" cmpd="sng" algn="ctr">
-                      <a:solidFill>
-                        <a:schemeClr val="bg1"/>
-                      </a:solidFill>
-                      <a:prstDash val="solid"/>
-                      <a:round/>
-                      <a:headEnd type="none" w="med" len="med"/>
-                      <a:tailEnd type="none" w="med" len="med"/>
-                    </a:lnT>
-                    <a:lnB w="28575" cap="flat" cmpd="sng" algn="ctr">
-                      <a:solidFill>
-                        <a:schemeClr val="bg1"/>
-                      </a:solidFill>
-                      <a:prstDash val="solid"/>
-                      <a:round/>
-                      <a:headEnd type="none" w="med" len="med"/>
-                      <a:tailEnd type="none" w="med" len="med"/>
-                    </a:lnB>
-                    <a:solidFill>
-                      <a:schemeClr val="accent2">
-                        <a:lumMod val="40000"/>
-                        <a:lumOff val="60000"/>
-                      </a:schemeClr>
-                    </a:solidFill>
-                  </a:tcPr>
-                </a:tc>
-                <a:tc>
-                  <a:txBody>
-                    <a:bodyPr/>
-                    <a:lstStyle/>
-                    <a:p>
-                      <a:pPr algn="ctr">
-                        <a:lnSpc>
-                          <a:spcPct val="120000"/>
-                        </a:lnSpc>
-                      </a:pPr>
-                      <a:r>
-                        <a:rPr lang="zh-CN" altLang="en-US" sz="1400" b="0" i="0" kern="1200" dirty="0" smtClean="0">
-                          <a:solidFill>
-                            <a:schemeClr val="tx1"/>
-                          </a:solidFill>
-                          <a:latin typeface="微软雅黑" panose="020B0503020204020204" pitchFamily="34" charset="-122"/>
-                          <a:ea typeface="微软雅黑" panose="020B0503020204020204" pitchFamily="34" charset="-122"/>
-                          <a:cs typeface="+mn-cs"/>
-                        </a:rPr>
-                        <a:t>报纸类</a:t>
-                      </a:r>
-                      <a:endParaRPr lang="zh-CN" altLang="en-US" sz="1400" b="0" i="0" kern="1200" dirty="0">
-                        <a:solidFill>
-                          <a:schemeClr val="tx1"/>
-                        </a:solidFill>
-                        <a:latin typeface="微软雅黑" panose="020B0503020204020204" pitchFamily="34" charset="-122"/>
-                        <a:ea typeface="微软雅黑" panose="020B0503020204020204" pitchFamily="34" charset="-122"/>
-                        <a:cs typeface="+mn-cs"/>
-                      </a:endParaRPr>
-                    </a:p>
-                  </a:txBody>
-                  <a:tcPr anchor="ctr">
-                    <a:lnL w="28575" cap="flat" cmpd="sng" algn="ctr">
-                      <a:solidFill>
-                        <a:schemeClr val="bg1"/>
-                      </a:solidFill>
-                      <a:prstDash val="solid"/>
-                      <a:round/>
-                      <a:headEnd type="none" w="med" len="med"/>
-                      <a:tailEnd type="none" w="med" len="med"/>
-                    </a:lnL>
-                    <a:lnR w="28575" cap="flat" cmpd="sng" algn="ctr">
-                      <a:solidFill>
-                        <a:schemeClr val="bg1"/>
-                      </a:solidFill>
-                      <a:prstDash val="solid"/>
-                      <a:round/>
-                      <a:headEnd type="none" w="med" len="med"/>
-                      <a:tailEnd type="none" w="med" len="med"/>
-                    </a:lnR>
-                    <a:lnT w="28575" cap="flat" cmpd="sng" algn="ctr">
-                      <a:solidFill>
-                        <a:schemeClr val="bg1"/>
-                      </a:solidFill>
-                      <a:prstDash val="solid"/>
-                      <a:round/>
-                      <a:headEnd type="none" w="med" len="med"/>
-                      <a:tailEnd type="none" w="med" len="med"/>
-                    </a:lnT>
-                    <a:lnB w="28575" cap="flat" cmpd="sng" algn="ctr">
-                      <a:solidFill>
-                        <a:schemeClr val="bg1"/>
-                      </a:solidFill>
-                      <a:prstDash val="solid"/>
-                      <a:round/>
-                      <a:headEnd type="none" w="med" len="med"/>
-                      <a:tailEnd type="none" w="med" len="med"/>
-                    </a:lnB>
-                    <a:solidFill>
-                      <a:schemeClr val="accent2">
-                        <a:lumMod val="40000"/>
-                        <a:lumOff val="60000"/>
-                      </a:schemeClr>
-                    </a:solidFill>
-                  </a:tcPr>
-                </a:tc>
-                <a:tc>
-                  <a:txBody>
-                    <a:bodyPr/>
-                    <a:lstStyle/>
-                    <a:p>
-                      <a:pPr algn="ctr"/>
-                      <a:r>
-                        <a:rPr lang="en-US" altLang="zh-CN" sz="1400" b="0" i="0" dirty="0" smtClean="0">
-                          <a:solidFill>
-                            <a:schemeClr val="tx1"/>
-                          </a:solidFill>
-                          <a:latin typeface="微软雅黑" panose="020B0503020204020204" pitchFamily="34" charset="-122"/>
-                          <a:ea typeface="微软雅黑" panose="020B0503020204020204" pitchFamily="34" charset="-122"/>
-                        </a:rPr>
-                        <a:t>healthyyang2</a:t>
-                      </a:r>
-                      <a:endParaRPr lang="zh-CN" altLang="en-US" sz="1400" b="0" i="0" dirty="0">
-                        <a:solidFill>
-                          <a:schemeClr val="tx1"/>
-                        </a:solidFill>
-                        <a:latin typeface="微软雅黑" panose="020B0503020204020204" pitchFamily="34" charset="-122"/>
-                        <a:ea typeface="微软雅黑" panose="020B0503020204020204" pitchFamily="34" charset="-122"/>
-                      </a:endParaRPr>
-                    </a:p>
-                  </a:txBody>
-                  <a:tcPr anchor="ctr">
-                    <a:lnL w="28575" cap="flat" cmpd="sng" algn="ctr">
-                      <a:solidFill>
-                        <a:schemeClr val="bg1"/>
-                      </a:solidFill>
-                      <a:prstDash val="solid"/>
-                      <a:round/>
-                      <a:headEnd type="none" w="med" len="med"/>
-                      <a:tailEnd type="none" w="med" len="med"/>
-                    </a:lnL>
-                    <a:lnR w="28575" cap="flat" cmpd="sng" algn="ctr">
-                      <a:solidFill>
-                        <a:schemeClr val="bg1"/>
-                      </a:solidFill>
-                      <a:prstDash val="solid"/>
-                      <a:round/>
-                      <a:headEnd type="none" w="med" len="med"/>
-                      <a:tailEnd type="none" w="med" len="med"/>
-                    </a:lnR>
-                    <a:lnT w="28575" cap="flat" cmpd="sng" algn="ctr">
-                      <a:solidFill>
-                        <a:schemeClr val="bg1"/>
-                      </a:solidFill>
-                      <a:prstDash val="solid"/>
-                      <a:round/>
-                      <a:headEnd type="none" w="med" len="med"/>
-                      <a:tailEnd type="none" w="med" len="med"/>
-                    </a:lnT>
-                    <a:lnB w="28575" cap="flat" cmpd="sng" algn="ctr">
-                      <a:solidFill>
-                        <a:schemeClr val="bg1"/>
-                      </a:solidFill>
-                      <a:prstDash val="solid"/>
-                      <a:round/>
-                      <a:headEnd type="none" w="med" len="med"/>
-                      <a:tailEnd type="none" w="med" len="med"/>
-                    </a:lnB>
-                    <a:solidFill>
-                      <a:schemeClr val="accent2">
-                        <a:lumMod val="40000"/>
-                        <a:lumOff val="60000"/>
-                      </a:schemeClr>
-                    </a:solidFill>
-                  </a:tcPr>
-                </a:tc>
-                <a:tc>
-                  <a:txBody>
-                    <a:bodyPr/>
-                    <a:lstStyle/>
-                    <a:p>
-                      <a:r>
-                        <a:rPr lang="zh-CN" altLang="en-US" sz="1400" b="0" i="0" kern="1200" dirty="0" smtClean="0">
-                          <a:solidFill>
-                            <a:schemeClr val="tx1"/>
-                          </a:solidFill>
-                          <a:latin typeface="微软雅黑" panose="020B0503020204020204" pitchFamily="34" charset="-122"/>
-                          <a:ea typeface="微软雅黑" panose="020B0503020204020204" pitchFamily="34" charset="-122"/>
-                          <a:cs typeface="+mn-cs"/>
-                        </a:rPr>
-                        <a:t>篇名</a:t>
-                      </a:r>
-                      <a:r>
-                        <a:rPr lang="en-US" altLang="zh-CN" sz="1400" b="0" i="0" kern="1200" dirty="0" smtClean="0">
-                          <a:solidFill>
-                            <a:schemeClr val="tx1"/>
-                          </a:solidFill>
-                          <a:latin typeface="微软雅黑" panose="020B0503020204020204" pitchFamily="34" charset="-122"/>
-                          <a:ea typeface="微软雅黑" panose="020B0503020204020204" pitchFamily="34" charset="-122"/>
-                          <a:cs typeface="+mn-cs"/>
-                        </a:rPr>
-                        <a:t>[N].</a:t>
-                      </a:r>
-                      <a:r>
-                        <a:rPr lang="zh-CN" altLang="en-US" sz="1400" b="0" i="0" kern="1200" dirty="0" smtClean="0">
-                          <a:solidFill>
-                            <a:schemeClr val="tx1"/>
-                          </a:solidFill>
-                          <a:latin typeface="微软雅黑" panose="020B0503020204020204" pitchFamily="34" charset="-122"/>
-                          <a:ea typeface="微软雅黑" panose="020B0503020204020204" pitchFamily="34" charset="-122"/>
-                          <a:cs typeface="+mn-cs"/>
-                        </a:rPr>
-                        <a:t>报纸名，出版日期（版次）</a:t>
-                      </a:r>
-                      <a:r>
-                        <a:rPr lang="en-US" altLang="zh-CN" sz="1400" b="0" i="0" kern="1200" dirty="0" smtClean="0">
-                          <a:solidFill>
-                            <a:schemeClr val="tx1"/>
-                          </a:solidFill>
-                          <a:latin typeface="微软雅黑" panose="020B0503020204020204" pitchFamily="34" charset="-122"/>
-                          <a:ea typeface="微软雅黑" panose="020B0503020204020204" pitchFamily="34" charset="-122"/>
-                          <a:cs typeface="+mn-cs"/>
-                        </a:rPr>
-                        <a:t>.</a:t>
-                      </a:r>
-                      <a:endParaRPr lang="zh-CN" altLang="en-US" sz="1400" b="0" i="0" dirty="0">
-                        <a:solidFill>
-                          <a:schemeClr val="tx1"/>
-                        </a:solidFill>
-                        <a:latin typeface="微软雅黑" panose="020B0503020204020204" pitchFamily="34" charset="-122"/>
-                        <a:ea typeface="微软雅黑" panose="020B0503020204020204" pitchFamily="34" charset="-122"/>
-                      </a:endParaRPr>
-                    </a:p>
-                  </a:txBody>
-                  <a:tcPr anchor="ctr">
-                    <a:lnL w="28575" cap="flat" cmpd="sng" algn="ctr">
-                      <a:solidFill>
-                        <a:schemeClr val="bg1"/>
-                      </a:solidFill>
-                      <a:prstDash val="solid"/>
-                      <a:round/>
-                      <a:headEnd type="none" w="med" len="med"/>
-                      <a:tailEnd type="none" w="med" len="med"/>
-                    </a:lnL>
-                    <a:lnR w="28575" cap="flat" cmpd="sng" algn="ctr">
-                      <a:solidFill>
-                        <a:schemeClr val="bg1"/>
-                      </a:solidFill>
-                      <a:prstDash val="solid"/>
-                      <a:round/>
-                      <a:headEnd type="none" w="med" len="med"/>
-                      <a:tailEnd type="none" w="med" len="med"/>
-                    </a:lnR>
-                    <a:lnT w="28575" cap="flat" cmpd="sng" algn="ctr">
-                      <a:solidFill>
-                        <a:schemeClr val="bg1"/>
-                      </a:solidFill>
-                      <a:prstDash val="solid"/>
-                      <a:round/>
-                      <a:headEnd type="none" w="med" len="med"/>
-                      <a:tailEnd type="none" w="med" len="med"/>
-                    </a:lnT>
-                    <a:lnB w="28575" cap="flat" cmpd="sng" algn="ctr">
-                      <a:solidFill>
-                        <a:schemeClr val="bg1"/>
-                      </a:solidFill>
-                      <a:prstDash val="solid"/>
-                      <a:round/>
-                      <a:headEnd type="none" w="med" len="med"/>
-                      <a:tailEnd type="none" w="med" len="med"/>
-                    </a:lnB>
-                    <a:solidFill>
-                      <a:schemeClr val="accent2">
-                        <a:lumMod val="40000"/>
-                        <a:lumOff val="60000"/>
-                      </a:schemeClr>
-                    </a:solidFill>
-                  </a:tcPr>
-                </a:tc>
-              </a:tr>
-              <a:tr h="557562">
-                <a:tc>
-                  <a:txBody>
-                    <a:bodyPr/>
-                    <a:lstStyle/>
-                    <a:p>
-                      <a:pPr algn="ctr"/>
-                      <a:r>
-                        <a:rPr lang="en-US" altLang="zh-CN" sz="1400" b="0" i="0" dirty="0" smtClean="0">
-                          <a:solidFill>
-                            <a:schemeClr val="tx1"/>
-                          </a:solidFill>
-                          <a:latin typeface="微软雅黑" panose="020B0503020204020204" pitchFamily="34" charset="-122"/>
-                          <a:ea typeface="微软雅黑" panose="020B0503020204020204" pitchFamily="34" charset="-122"/>
-                        </a:rPr>
-                        <a:t>6</a:t>
-                      </a:r>
-                      <a:endParaRPr lang="zh-CN" altLang="en-US" sz="1400" b="0" i="0" dirty="0">
-                        <a:solidFill>
-                          <a:schemeClr val="tx1"/>
-                        </a:solidFill>
-                        <a:latin typeface="微软雅黑" panose="020B0503020204020204" pitchFamily="34" charset="-122"/>
-                        <a:ea typeface="微软雅黑" panose="020B0503020204020204" pitchFamily="34" charset="-122"/>
-                      </a:endParaRPr>
-                    </a:p>
-                  </a:txBody>
-                  <a:tcPr anchor="ctr">
-                    <a:lnL w="28575" cap="flat" cmpd="sng" algn="ctr">
-                      <a:solidFill>
-                        <a:schemeClr val="bg1"/>
-                      </a:solidFill>
-                      <a:prstDash val="solid"/>
-                      <a:round/>
-                      <a:headEnd type="none" w="med" len="med"/>
-                      <a:tailEnd type="none" w="med" len="med"/>
-                    </a:lnL>
-                    <a:lnR w="28575" cap="flat" cmpd="sng" algn="ctr">
-                      <a:solidFill>
-                        <a:schemeClr val="bg1"/>
-                      </a:solidFill>
-                      <a:prstDash val="solid"/>
-                      <a:round/>
-                      <a:headEnd type="none" w="med" len="med"/>
-                      <a:tailEnd type="none" w="med" len="med"/>
-                    </a:lnR>
-                    <a:lnT w="28575" cap="flat" cmpd="sng" algn="ctr">
-                      <a:solidFill>
-                        <a:schemeClr val="bg1"/>
-                      </a:solidFill>
-                      <a:prstDash val="solid"/>
-                      <a:round/>
-                      <a:headEnd type="none" w="med" len="med"/>
-                      <a:tailEnd type="none" w="med" len="med"/>
-                    </a:lnT>
-                    <a:lnB w="28575" cap="flat" cmpd="sng" algn="ctr">
-                      <a:solidFill>
-                        <a:schemeClr val="bg1"/>
-                      </a:solidFill>
-                      <a:prstDash val="solid"/>
-                      <a:round/>
-                      <a:headEnd type="none" w="med" len="med"/>
-                      <a:tailEnd type="none" w="med" len="med"/>
-                    </a:lnB>
-                    <a:solidFill>
-                      <a:schemeClr val="accent2"/>
-                    </a:solidFill>
-                  </a:tcPr>
-                </a:tc>
-                <a:tc>
-                  <a:txBody>
-                    <a:bodyPr/>
-                    <a:lstStyle/>
-                    <a:p>
-                      <a:pPr algn="ctr">
-                        <a:lnSpc>
-                          <a:spcPct val="120000"/>
-                        </a:lnSpc>
-                      </a:pPr>
-                      <a:r>
-                        <a:rPr lang="zh-CN" altLang="en-US" sz="1400" b="0" i="0" kern="1200" dirty="0" smtClean="0">
-                          <a:solidFill>
-                            <a:schemeClr val="tx1"/>
-                          </a:solidFill>
-                          <a:latin typeface="微软雅黑" panose="020B0503020204020204" pitchFamily="34" charset="-122"/>
-                          <a:ea typeface="微软雅黑" panose="020B0503020204020204" pitchFamily="34" charset="-122"/>
-                          <a:cs typeface="+mn-cs"/>
-                        </a:rPr>
-                        <a:t>论文集</a:t>
-                      </a:r>
-                      <a:endParaRPr lang="zh-CN" altLang="en-US" sz="1400" b="0" i="0" kern="1200" dirty="0">
-                        <a:solidFill>
-                          <a:schemeClr val="tx1"/>
-                        </a:solidFill>
-                        <a:latin typeface="微软雅黑" panose="020B0503020204020204" pitchFamily="34" charset="-122"/>
-                        <a:ea typeface="微软雅黑" panose="020B0503020204020204" pitchFamily="34" charset="-122"/>
-                        <a:cs typeface="+mn-cs"/>
-                      </a:endParaRPr>
-                    </a:p>
-                  </a:txBody>
-                  <a:tcPr anchor="ctr">
-                    <a:lnL w="28575" cap="flat" cmpd="sng" algn="ctr">
-                      <a:solidFill>
-                        <a:schemeClr val="bg1"/>
-                      </a:solidFill>
-                      <a:prstDash val="solid"/>
-                      <a:round/>
-                      <a:headEnd type="none" w="med" len="med"/>
-                      <a:tailEnd type="none" w="med" len="med"/>
-                    </a:lnL>
-                    <a:lnR w="28575" cap="flat" cmpd="sng" algn="ctr">
-                      <a:solidFill>
-                        <a:schemeClr val="bg1"/>
-                      </a:solidFill>
-                      <a:prstDash val="solid"/>
-                      <a:round/>
-                      <a:headEnd type="none" w="med" len="med"/>
-                      <a:tailEnd type="none" w="med" len="med"/>
-                    </a:lnR>
-                    <a:lnT w="28575" cap="flat" cmpd="sng" algn="ctr">
-                      <a:solidFill>
-                        <a:schemeClr val="bg1"/>
-                      </a:solidFill>
-                      <a:prstDash val="solid"/>
-                      <a:round/>
-                      <a:headEnd type="none" w="med" len="med"/>
-                      <a:tailEnd type="none" w="med" len="med"/>
-                    </a:lnT>
-                    <a:lnB w="28575" cap="flat" cmpd="sng" algn="ctr">
-                      <a:solidFill>
-                        <a:schemeClr val="bg1"/>
-                      </a:solidFill>
-                      <a:prstDash val="solid"/>
-                      <a:round/>
-                      <a:headEnd type="none" w="med" len="med"/>
-                      <a:tailEnd type="none" w="med" len="med"/>
-                    </a:lnB>
-                    <a:solidFill>
-                      <a:schemeClr val="accent2"/>
-                    </a:solidFill>
-                  </a:tcPr>
-                </a:tc>
-                <a:tc>
-                  <a:txBody>
-                    <a:bodyPr/>
-                    <a:lstStyle/>
-                    <a:p>
-                      <a:pPr algn="ctr"/>
-                      <a:r>
-                        <a:rPr lang="en-US" altLang="zh-CN" sz="1400" b="0" i="0" dirty="0" smtClean="0">
-                          <a:solidFill>
-                            <a:schemeClr val="tx1"/>
-                          </a:solidFill>
-                          <a:latin typeface="微软雅黑" panose="020B0503020204020204" pitchFamily="34" charset="-122"/>
-                          <a:ea typeface="微软雅黑" panose="020B0503020204020204" pitchFamily="34" charset="-122"/>
-                        </a:rPr>
-                        <a:t>healthyyang2</a:t>
-                      </a:r>
-                      <a:endParaRPr lang="zh-CN" altLang="en-US" sz="1400" b="0" i="0" dirty="0">
-                        <a:solidFill>
-                          <a:schemeClr val="tx1"/>
-                        </a:solidFill>
-                        <a:latin typeface="微软雅黑" panose="020B0503020204020204" pitchFamily="34" charset="-122"/>
-                        <a:ea typeface="微软雅黑" panose="020B0503020204020204" pitchFamily="34" charset="-122"/>
-                      </a:endParaRPr>
-                    </a:p>
-                  </a:txBody>
-                  <a:tcPr anchor="ctr">
-                    <a:lnL w="28575" cap="flat" cmpd="sng" algn="ctr">
-                      <a:solidFill>
-                        <a:schemeClr val="bg1"/>
-                      </a:solidFill>
-                      <a:prstDash val="solid"/>
-                      <a:round/>
-                      <a:headEnd type="none" w="med" len="med"/>
-                      <a:tailEnd type="none" w="med" len="med"/>
-                    </a:lnL>
-                    <a:lnR w="28575" cap="flat" cmpd="sng" algn="ctr">
-                      <a:solidFill>
-                        <a:schemeClr val="bg1"/>
-                      </a:solidFill>
-                      <a:prstDash val="solid"/>
-                      <a:round/>
-                      <a:headEnd type="none" w="med" len="med"/>
-                      <a:tailEnd type="none" w="med" len="med"/>
-                    </a:lnR>
-                    <a:lnT w="28575" cap="flat" cmpd="sng" algn="ctr">
-                      <a:solidFill>
-                        <a:schemeClr val="bg1"/>
-                      </a:solidFill>
-                      <a:prstDash val="solid"/>
-                      <a:round/>
-                      <a:headEnd type="none" w="med" len="med"/>
-                      <a:tailEnd type="none" w="med" len="med"/>
-                    </a:lnT>
-                    <a:lnB w="28575" cap="flat" cmpd="sng" algn="ctr">
-                      <a:solidFill>
-                        <a:schemeClr val="bg1"/>
-                      </a:solidFill>
-                      <a:prstDash val="solid"/>
-                      <a:round/>
-                      <a:headEnd type="none" w="med" len="med"/>
-                      <a:tailEnd type="none" w="med" len="med"/>
-                    </a:lnB>
-                    <a:solidFill>
-                      <a:schemeClr val="accent2"/>
-                    </a:solidFill>
-                  </a:tcPr>
-                </a:tc>
-                <a:tc>
-                  <a:txBody>
-                    <a:bodyPr/>
-                    <a:lstStyle/>
-                    <a:p>
-                      <a:pPr marL="0" marR="0" indent="0" algn="l" defTabSz="913765" rtl="0" eaLnBrk="1" fontAlgn="auto" latinLnBrk="0" hangingPunct="1">
-                        <a:lnSpc>
-                          <a:spcPct val="100000"/>
-                        </a:lnSpc>
-                        <a:spcBef>
-                          <a:spcPts val="0"/>
-                        </a:spcBef>
-                        <a:spcAft>
-                          <a:spcPts val="0"/>
-                        </a:spcAft>
-                        <a:buClrTx/>
-                        <a:buSzTx/>
-                        <a:buFontTx/>
-                        <a:buNone/>
-                        <a:defRPr/>
-                      </a:pPr>
-                      <a:r>
-                        <a:rPr lang="zh-CN" altLang="en-US" sz="1400" b="0" i="0" kern="1200" dirty="0" smtClean="0">
-                          <a:solidFill>
-                            <a:schemeClr val="tx1"/>
-                          </a:solidFill>
-                          <a:latin typeface="微软雅黑" panose="020B0503020204020204" pitchFamily="34" charset="-122"/>
-                          <a:ea typeface="微软雅黑" panose="020B0503020204020204" pitchFamily="34" charset="-122"/>
-                          <a:cs typeface="+mn-cs"/>
-                        </a:rPr>
-                        <a:t>篇名</a:t>
-                      </a:r>
-                      <a:r>
-                        <a:rPr lang="en-US" altLang="zh-CN" sz="1400" b="0" i="0" kern="1200" dirty="0" smtClean="0">
-                          <a:solidFill>
-                            <a:schemeClr val="tx1"/>
-                          </a:solidFill>
-                          <a:latin typeface="微软雅黑" panose="020B0503020204020204" pitchFamily="34" charset="-122"/>
-                          <a:ea typeface="微软雅黑" panose="020B0503020204020204" pitchFamily="34" charset="-122"/>
-                          <a:cs typeface="+mn-cs"/>
-                        </a:rPr>
-                        <a:t>[C].</a:t>
-                      </a:r>
-                      <a:r>
-                        <a:rPr lang="zh-CN" altLang="en-US" sz="1400" b="0" i="0" kern="1200" dirty="0" smtClean="0">
-                          <a:solidFill>
-                            <a:schemeClr val="tx1"/>
-                          </a:solidFill>
-                          <a:latin typeface="微软雅黑" panose="020B0503020204020204" pitchFamily="34" charset="-122"/>
-                          <a:ea typeface="微软雅黑" panose="020B0503020204020204" pitchFamily="34" charset="-122"/>
-                          <a:cs typeface="+mn-cs"/>
-                        </a:rPr>
-                        <a:t>出版地：出版者，出版年份：起始页码</a:t>
-                      </a:r>
-                      <a:r>
-                        <a:rPr lang="en-US" altLang="zh-CN" sz="1400" b="0" i="0" kern="1200" dirty="0" smtClean="0">
-                          <a:solidFill>
-                            <a:schemeClr val="tx1"/>
-                          </a:solidFill>
-                          <a:latin typeface="微软雅黑" panose="020B0503020204020204" pitchFamily="34" charset="-122"/>
-                          <a:ea typeface="微软雅黑" panose="020B0503020204020204" pitchFamily="34" charset="-122"/>
-                          <a:cs typeface="+mn-cs"/>
-                        </a:rPr>
-                        <a:t>.</a:t>
-                      </a:r>
-                      <a:endParaRPr lang="en-US" altLang="zh-CN" sz="1400" b="0" i="0" kern="1200" dirty="0" smtClean="0">
+                      <a:endParaRPr sz="1400" b="0" i="0" kern="1200" dirty="0" smtClean="0">
                         <a:solidFill>
                           <a:schemeClr val="tx1"/>
                         </a:solidFill>
@@ -21928,35 +20927,30 @@
         <p:cNvGrpSpPr/>
         <p:nvPr/>
       </p:nvGrpSpPr>
-      <p:grpSpPr>
-        <a:xfrm>
-          <a:off x="0" y="0"/>
-          <a:ext cx="0" cy="0"/>
-          <a:chOff x="0" y="0"/>
-          <a:chExt cx="0" cy="0"/>
-        </a:xfrm>
-      </p:grpSpPr>
+      <p:grpSpPr/>
       <p:sp>
         <p:nvSpPr>
-          <p:cNvPr id="20" name="文本框 19"/>
+          <p:cNvPr id="24577" name="文本框 19"/>
           <p:cNvSpPr txBox="1"/>
           <p:nvPr/>
         </p:nvSpPr>
         <p:spPr>
           <a:xfrm>
-            <a:off x="4928343" y="5559028"/>
-            <a:ext cx="2331087" cy="338554"/>
+            <a:off x="5257800" y="5559425"/>
+            <a:ext cx="1671638" cy="336550"/>
           </a:xfrm>
           <a:prstGeom prst="rect">
             <a:avLst/>
           </a:prstGeom>
           <a:noFill/>
+          <a:ln w="9525">
+            <a:noFill/>
+          </a:ln>
         </p:spPr>
         <p:txBody>
-          <a:bodyPr wrap="none" rtlCol="0">
+          <a:bodyPr wrap="none" anchor="t">
             <a:spAutoFit/>
           </a:bodyPr>
-          <a:lstStyle/>
           <a:p>
             <a:pPr algn="ctr"/>
             <a:r>
@@ -21977,7 +20971,17 @@
                 <a:latin typeface="微软雅黑" panose="020B0503020204020204" pitchFamily="34" charset="-122"/>
                 <a:ea typeface="微软雅黑" panose="020B0503020204020204" pitchFamily="34" charset="-122"/>
               </a:rPr>
-              <a:t>healthyyang2</a:t>
+              <a:t>G2</a:t>
+            </a:r>
+            <a:r>
+              <a:rPr lang="zh-CN" altLang="en-US" sz="1600" dirty="0">
+                <a:solidFill>
+                  <a:schemeClr val="bg1"/>
+                </a:solidFill>
+                <a:latin typeface="微软雅黑" panose="020B0503020204020204" pitchFamily="34" charset="-122"/>
+                <a:ea typeface="微软雅黑" panose="020B0503020204020204" pitchFamily="34" charset="-122"/>
+              </a:rPr>
+              <a:t>小组</a:t>
             </a:r>
             <a:endParaRPr lang="zh-CN" altLang="en-US" sz="1600" dirty="0">
               <a:solidFill>
@@ -21991,25 +20995,27 @@
       </p:sp>
       <p:sp>
         <p:nvSpPr>
-          <p:cNvPr id="21" name="文本框 20"/>
+          <p:cNvPr id="24578" name="文本框 20"/>
           <p:cNvSpPr txBox="1"/>
           <p:nvPr/>
         </p:nvSpPr>
         <p:spPr>
           <a:xfrm>
-            <a:off x="4825751" y="5893821"/>
-            <a:ext cx="2536271" cy="338554"/>
+            <a:off x="5291138" y="5894388"/>
+            <a:ext cx="1604962" cy="336550"/>
           </a:xfrm>
           <a:prstGeom prst="rect">
             <a:avLst/>
           </a:prstGeom>
           <a:noFill/>
+          <a:ln w="9525">
+            <a:noFill/>
+          </a:ln>
         </p:spPr>
         <p:txBody>
-          <a:bodyPr wrap="none" rtlCol="0">
+          <a:bodyPr wrap="none" anchor="t">
             <a:spAutoFit/>
           </a:bodyPr>
-          <a:lstStyle/>
           <a:p>
             <a:pPr algn="ctr"/>
             <a:r>
@@ -22020,17 +21026,7 @@
                 <a:latin typeface="微软雅黑" panose="020B0503020204020204" pitchFamily="34" charset="-122"/>
                 <a:ea typeface="微软雅黑" panose="020B0503020204020204" pitchFamily="34" charset="-122"/>
               </a:rPr>
-              <a:t>指导老师：</a:t>
-            </a:r>
-            <a:r>
-              <a:rPr lang="en-US" altLang="zh-CN" sz="1600" dirty="0">
-                <a:solidFill>
-                  <a:schemeClr val="bg1"/>
-                </a:solidFill>
-                <a:latin typeface="微软雅黑" panose="020B0503020204020204" pitchFamily="34" charset="-122"/>
-                <a:ea typeface="微软雅黑" panose="020B0503020204020204" pitchFamily="34" charset="-122"/>
-              </a:rPr>
-              <a:t>healthyyang2</a:t>
+              <a:t>指导老师：杨枨</a:t>
             </a:r>
             <a:endParaRPr lang="zh-CN" altLang="en-US" sz="1600" dirty="0">
               <a:solidFill>
@@ -22044,21 +21040,21 @@
       </p:sp>
       <p:grpSp>
         <p:nvGrpSpPr>
-          <p:cNvPr id="8" name="组合 7"/>
+          <p:cNvPr id="24579" name="组合 7"/>
           <p:cNvGrpSpPr/>
           <p:nvPr/>
         </p:nvGrpSpPr>
         <p:grpSpPr>
           <a:xfrm>
-            <a:off x="3825886" y="2709527"/>
-            <a:ext cx="4536000" cy="1380931"/>
+            <a:off x="3825875" y="2709863"/>
+            <a:ext cx="4535488" cy="1381125"/>
             <a:chOff x="3825885" y="2756938"/>
             <a:chExt cx="4536000" cy="1380931"/>
           </a:xfrm>
         </p:grpSpPr>
         <p:sp>
           <p:nvSpPr>
-            <p:cNvPr id="12" name="文本框 11"/>
+            <p:cNvPr id="24580" name="文本框 11"/>
             <p:cNvSpPr txBox="1"/>
             <p:nvPr/>
           </p:nvSpPr>
@@ -22071,16 +21067,18 @@
               <a:avLst/>
             </a:prstGeom>
             <a:noFill/>
+            <a:ln w="9525">
+              <a:noFill/>
+            </a:ln>
           </p:spPr>
           <p:txBody>
-            <a:bodyPr wrap="none" rtlCol="0">
+            <a:bodyPr wrap="none" anchor="t">
               <a:spAutoFit/>
             </a:bodyPr>
-            <a:lstStyle/>
             <a:p>
               <a:pPr algn="ctr"/>
               <a:r>
-                <a:rPr lang="zh-CN" altLang="en-US" sz="4400" b="1" dirty="0" smtClean="0">
+                <a:rPr lang="zh-CN" altLang="en-US" sz="4400" b="1" dirty="0">
                   <a:solidFill>
                     <a:schemeClr val="bg1"/>
                   </a:solidFill>
@@ -22101,7 +21099,7 @@
         </p:sp>
         <p:sp>
           <p:nvSpPr>
-            <p:cNvPr id="13" name="文本框 12"/>
+            <p:cNvPr id="24581" name="文本框 12"/>
             <p:cNvSpPr txBox="1"/>
             <p:nvPr/>
           </p:nvSpPr>
@@ -22114,12 +21112,14 @@
               <a:avLst/>
             </a:prstGeom>
             <a:noFill/>
+            <a:ln w="9525">
+              <a:noFill/>
+            </a:ln>
           </p:spPr>
           <p:txBody>
-            <a:bodyPr wrap="none" rtlCol="0">
+            <a:bodyPr wrap="none" anchor="t">
               <a:spAutoFit/>
             </a:bodyPr>
-            <a:lstStyle/>
             <a:p>
               <a:pPr algn="ctr"/>
               <a:r>
@@ -22215,44 +21215,42 @@
       </p:grpSp>
       <p:pic>
         <p:nvPicPr>
-          <p:cNvPr id="14" name="图片 13"/>
+          <p:cNvPr id="24584" name="图片 13"/>
           <p:cNvPicPr>
             <a:picLocks noChangeAspect="1"/>
           </p:cNvPicPr>
           <p:nvPr/>
         </p:nvPicPr>
         <p:blipFill>
-          <a:blip r:embed="rId1" cstate="print">
-            <a:extLst>
-              <a:ext uri="{28A0092B-C50C-407E-A947-70E740481C1C}">
-                <a14:useLocalDpi xmlns:a14="http://schemas.microsoft.com/office/drawing/2010/main" val="0"/>
-              </a:ext>
-            </a:extLst>
-          </a:blip>
+          <a:blip r:embed="rId1"/>
           <a:stretch>
             <a:fillRect/>
           </a:stretch>
         </p:blipFill>
         <p:spPr>
           <a:xfrm>
-            <a:off x="5524394" y="1156854"/>
-            <a:ext cx="1138984" cy="1138984"/>
+            <a:off x="5524500" y="1157288"/>
+            <a:ext cx="1138238" cy="1138237"/>
           </a:xfrm>
           <a:prstGeom prst="rect">
             <a:avLst/>
           </a:prstGeom>
+          <a:noFill/>
+          <a:ln w="9525">
+            <a:noFill/>
+          </a:ln>
         </p:spPr>
       </p:pic>
       <p:sp>
         <p:nvSpPr>
-          <p:cNvPr id="3" name="矩形 2"/>
+          <p:cNvPr id="24585" name="矩形 2"/>
           <p:cNvSpPr/>
           <p:nvPr/>
         </p:nvSpPr>
         <p:spPr>
           <a:xfrm>
-            <a:off x="4962807" y="2061156"/>
-            <a:ext cx="2262158" cy="369332"/>
+            <a:off x="4962525" y="2060575"/>
+            <a:ext cx="2262188" cy="369888"/>
           </a:xfrm>
           <a:prstGeom prst="rect">
             <a:avLst/>
@@ -22260,14 +21258,16 @@
           <a:solidFill>
             <a:schemeClr val="accent2"/>
           </a:solidFill>
+          <a:ln w="9525">
+            <a:noFill/>
+          </a:ln>
         </p:spPr>
         <p:txBody>
-          <a:bodyPr wrap="none">
+          <a:bodyPr wrap="none" anchor="t">
             <a:spAutoFit/>
           </a:bodyPr>
-          <a:lstStyle/>
-          <a:p>
-            <a:pPr lvl="0" algn="ctr"/>
+          <a:p>
+            <a:pPr algn="ctr"/>
             <a:r>
               <a:rPr lang="zh-CN" altLang="en-US" b="1" dirty="0">
                 <a:solidFill>
@@ -22275,7 +21275,6 @@
                 </a:solidFill>
                 <a:latin typeface="微软雅黑" panose="020B0503020204020204" pitchFamily="34" charset="-122"/>
                 <a:ea typeface="微软雅黑" panose="020B0503020204020204" pitchFamily="34" charset="-122"/>
-                <a:cs typeface="微软雅黑" panose="020B0503020204020204" pitchFamily="34" charset="-122"/>
               </a:rPr>
               <a:t>感谢老师们精心培养</a:t>
             </a:r>
@@ -22285,14 +21284,13 @@
               </a:solidFill>
               <a:latin typeface="微软雅黑" panose="020B0503020204020204" pitchFamily="34" charset="-122"/>
               <a:ea typeface="微软雅黑" panose="020B0503020204020204" pitchFamily="34" charset="-122"/>
-              <a:cs typeface="微软雅黑" panose="020B0503020204020204" pitchFamily="34" charset="-122"/>
             </a:endParaRPr>
           </a:p>
         </p:txBody>
       </p:sp>
       <p:pic>
         <p:nvPicPr>
-          <p:cNvPr id="2" name="图片 1" descr="小组logo"/>
+          <p:cNvPr id="24586" name="图片 1" descr="小组logo"/>
           <p:cNvPicPr>
             <a:picLocks noChangeAspect="1"/>
           </p:cNvPicPr>
@@ -22306,12 +21304,16 @@
         </p:blipFill>
         <p:spPr>
           <a:xfrm>
-            <a:off x="10318750" y="-190500"/>
-            <a:ext cx="2104390" cy="2104390"/>
+            <a:off x="10793413" y="-134937"/>
+            <a:ext cx="1576387" cy="1576387"/>
           </a:xfrm>
           <a:prstGeom prst="rect">
             <a:avLst/>
           </a:prstGeom>
+          <a:noFill/>
+          <a:ln w="9525">
+            <a:noFill/>
+          </a:ln>
         </p:spPr>
       </p:pic>
     </p:spTree>
@@ -22319,13 +21321,6 @@
   <p:clrMapOvr>
     <a:masterClrMapping/>
   </p:clrMapOvr>
-  <p:timing>
-    <p:tnLst>
-      <p:par>
-        <p:cTn id="1" dur="indefinite" restart="never" nodeType="tmRoot"/>
-      </p:par>
-    </p:tnLst>
-  </p:timing>
 </p:sld>
 </file>
 
@@ -23475,8 +22470,8 @@
         </p:nvSpPr>
         <p:spPr>
           <a:xfrm>
-            <a:off x="-63500" y="161299"/>
-            <a:ext cx="866241" cy="400110"/>
+            <a:off x="-63500" y="161964"/>
+            <a:ext cx="866241" cy="398780"/>
           </a:xfrm>
           <a:prstGeom prst="rect">
             <a:avLst/>
@@ -23519,7 +22514,7 @@
                 <a:ea typeface="微软雅黑" panose="020B0503020204020204" pitchFamily="34" charset="-122"/>
                 <a:cs typeface="微软雅黑" panose="020B0503020204020204" pitchFamily="34" charset="-122"/>
               </a:rPr>
-              <a:t>01</a:t>
+              <a:t>02</a:t>
             </a:r>
             <a:endParaRPr kumimoji="0" lang="en-US" altLang="zh-CN" sz="2000" b="0" i="0" u="none" strike="noStrike" kern="0" cap="none" spc="0" normalizeH="0" baseline="0" noProof="0" dirty="0">
               <a:ln>
@@ -24008,7 +23003,7 @@
                 <a:latin typeface="微软雅黑" panose="020B0503020204020204" pitchFamily="34" charset="-122"/>
                 <a:ea typeface="微软雅黑" panose="020B0503020204020204" pitchFamily="34" charset="-122"/>
               </a:rPr>
-              <a:t>从微软公司退出了</a:t>
+              <a:t>从微软公司推出了</a:t>
             </a:r>
             <a:r>
               <a:rPr lang="en-US" altLang="zh-CN">
